--- a/MGTA452_Final_Presentation_GroupC.pptx
+++ b/MGTA452_Final_Presentation_GroupC.pptx
@@ -244,7 +244,7 @@
           <a:p>
             <a:fld id="{F352A77B-D33C-49B3-A83C-450AA2ED72B3}" type="datetimeFigureOut">
               <a:rPr lang="en-US" smtClean="0"/>
-              <a:t>12/7/23</a:t>
+              <a:t>12/8/2023</a:t>
             </a:fld>
             <a:endParaRPr lang="en-US" dirty="0"/>
           </a:p>
@@ -421,7 +421,7 @@
           <a:p>
             <a:fld id="{E38D8F9A-F5CB-4EF8-A859-ED5E107B9763}" type="datetimeFigureOut">
               <a:rPr lang="en-US" smtClean="0"/>
-              <a:t>12/7/23</a:t>
+              <a:t>12/7/2023</a:t>
             </a:fld>
             <a:endParaRPr lang="en-US" dirty="0"/>
           </a:p>
@@ -16489,16 +16489,9 @@
           <a:lstStyle/>
           <a:p>
             <a:r>
-              <a:rPr lang="en-US" b="0" i="0" dirty="0">
-                <a:solidFill>
-                  <a:srgbClr val="3F3F3F"/>
-                </a:solidFill>
-                <a:effectLst/>
-                <a:latin typeface="Arial" panose="020B0604020202020204" pitchFamily="34" charset="0"/>
-              </a:rPr>
+              <a:rPr lang="en-US" dirty="0"/>
               <a:t>Migration patterns across different demographics, including age, sex, education level and race, using data from 2012 to 2022</a:t>
             </a:r>
-            <a:endParaRPr lang="en-US" dirty="0"/>
           </a:p>
         </p:txBody>
       </p:sp>
@@ -16830,7 +16823,7 @@
           <a:p>
             <a:r>
               <a:rPr lang="en-US" dirty="0"/>
-              <a:t>Extract Transform Load</a:t>
+              <a:t>Extract Transform Load Data</a:t>
             </a:r>
           </a:p>
         </p:txBody>
@@ -16863,7 +16856,7 @@
           <a:p>
             <a:r>
               <a:rPr lang="en-US" dirty="0"/>
-              <a:t>Sourced high-fidelity datasets from the U.S. Census Bureau, utilized Visual Studio Code for data transformation, ensuring optimal aggregation to inform our analytical reporting</a:t>
+              <a:t>Sourced datasets from the U.S. Census Bureau, utilized Visual Studio Code for data transformation, ensuring optimal aggregation to inform our analytical reporting</a:t>
             </a:r>
           </a:p>
         </p:txBody>
@@ -17188,7 +17181,7 @@
         </p:nvSpPr>
         <p:spPr>
           <a:xfrm>
-            <a:off x="4222376" y="595200"/>
+            <a:off x="4222376" y="538903"/>
             <a:ext cx="5433204" cy="365125"/>
           </a:xfrm>
         </p:spPr>
@@ -17223,13 +17216,13 @@
         </p:nvSpPr>
         <p:spPr>
           <a:xfrm>
-            <a:off x="4223609" y="906616"/>
-            <a:ext cx="6602542" cy="1636277"/>
-          </a:xfrm>
-        </p:spPr>
-        <p:txBody>
-          <a:bodyPr vert="horz" lIns="91440" tIns="45720" rIns="91440" bIns="45720" rtlCol="0">
-            <a:noAutofit/>
+            <a:off x="4295325" y="904028"/>
+            <a:ext cx="7132320" cy="1197864"/>
+          </a:xfrm>
+        </p:spPr>
+        <p:txBody>
+          <a:bodyPr>
+            <a:normAutofit fontScale="85000" lnSpcReduction="10000"/>
           </a:bodyPr>
           <a:lstStyle/>
           <a:p>
@@ -17258,7 +17251,7 @@
         </p:nvSpPr>
         <p:spPr>
           <a:xfrm>
-            <a:off x="4222376" y="2837450"/>
+            <a:off x="4140035" y="2323469"/>
             <a:ext cx="7213764" cy="365125"/>
           </a:xfrm>
         </p:spPr>
@@ -17293,7 +17286,7 @@
         </p:nvSpPr>
         <p:spPr>
           <a:xfrm>
-            <a:off x="4222376" y="3225441"/>
+            <a:off x="4222376" y="2753667"/>
             <a:ext cx="7131423" cy="1196549"/>
           </a:xfrm>
         </p:spPr>
@@ -17305,7 +17298,7 @@
           <a:p>
             <a:r>
               <a:rPr lang="en-US" dirty="0"/>
-              <a:t>Despite what we might see on the roads, EV adoption rates remain fairly low within California. Drivers of electric vehicles are found almost exclusively within the largest population centers in the state. Within many of the most populous zip codes ownership rates remain low. There is a strong correlation toward adoption in zip codes where single-family home values and household income are highest. Additional incentives and expansion of infrastructure may be necessary to continue adoption in line with the State's goals.</a:t>
+              <a:t>Despite what we might see on the roads, EV adoption rates remain fairly low within California. Drivers of electric vehicles are found almost exclusively within the largest population centers in the state. Within many of the most populous zip codes ownership rates remain low. There is a strong correlation toward adoption in zip codes where single-family home values and household income are highest. Additional incentives and expansion of infrastructure may be necessary to continue adoption in line with the State's goals</a:t>
             </a:r>
           </a:p>
         </p:txBody>
@@ -17328,7 +17321,7 @@
         </p:nvSpPr>
         <p:spPr>
           <a:xfrm>
-            <a:off x="4222376" y="4444856"/>
+            <a:off x="4222376" y="4157005"/>
             <a:ext cx="5433204" cy="365125"/>
           </a:xfrm>
         </p:spPr>
@@ -17363,7 +17356,7 @@
         </p:nvSpPr>
         <p:spPr>
           <a:xfrm>
-            <a:off x="4223609" y="4800037"/>
+            <a:off x="4223609" y="4544996"/>
             <a:ext cx="6919520" cy="1811354"/>
           </a:xfrm>
         </p:spPr>
@@ -17411,7 +17404,7 @@
           <a:p>
             <a:r>
               <a:rPr lang="en-US" dirty="0"/>
-              <a:t>20XX</a:t>
+              <a:t>2023</a:t>
             </a:r>
           </a:p>
         </p:txBody>
@@ -17444,7 +17437,7 @@
           <a:p>
             <a:r>
               <a:rPr lang="en-US" dirty="0"/>
-              <a:t>Pitch Deck</a:t>
+              <a:t>MGTA 452 | Group C</a:t>
             </a:r>
           </a:p>
         </p:txBody>
